--- a/personas/andrea_calabrese_persona.pptx
+++ b/personas/andrea_calabrese_persona.pptx
@@ -5357,7 +5357,7 @@
         </p:nvGrpSpPr>
         <p:grpSpPr>
           <a:xfrm>
-            <a:off x="150437" y="394718"/>
+            <a:off x="150437" y="383566"/>
             <a:ext cx="1803075" cy="1803075"/>
             <a:chOff x="3670462" y="1010768"/>
             <a:chExt cx="1803075" cy="1803075"/>
@@ -5533,31 +5533,7 @@
                 <a:cs typeface="Titillium Web SemiBold"/>
                 <a:sym typeface="Titillium Web SemiBold"/>
               </a:rPr>
-              <a:t>Old</a:t>
-            </a:r>
-            <a:r>
-              <a:rPr lang="it-IT" sz="1600" dirty="0">
-                <a:solidFill>
-                  <a:srgbClr val="5A6772"/>
-                </a:solidFill>
-                <a:latin typeface="Titillium Web SemiBold"/>
-                <a:ea typeface="Titillium Web SemiBold"/>
-                <a:cs typeface="Titillium Web SemiBold"/>
-                <a:sym typeface="Titillium Web SemiBold"/>
-              </a:rPr>
-              <a:t> </a:t>
-            </a:r>
-            <a:r>
-              <a:rPr lang="it-IT" sz="1600" dirty="0" err="1">
-                <a:solidFill>
-                  <a:srgbClr val="5A6772"/>
-                </a:solidFill>
-                <a:latin typeface="Titillium Web SemiBold"/>
-                <a:ea typeface="Titillium Web SemiBold"/>
-                <a:cs typeface="Titillium Web SemiBold"/>
-                <a:sym typeface="Titillium Web SemiBold"/>
-              </a:rPr>
-              <a:t>watchmaker</a:t>
+              <a:t>Watchmaker</a:t>
             </a:r>
             <a:endParaRPr lang="it-IT" sz="1600" dirty="0">
               <a:solidFill>
@@ -6435,7 +6411,67 @@
                 <a:cs typeface="Titillium Web"/>
                 <a:sym typeface="Titillium Web"/>
               </a:rPr>
-              <a:t> way.</a:t>
+              <a:t> way, so he </a:t>
+            </a:r>
+            <a:r>
+              <a:rPr lang="it-IT" sz="1000" dirty="0" err="1">
+                <a:solidFill>
+                  <a:srgbClr val="5A6772"/>
+                </a:solidFill>
+                <a:latin typeface="Titillium Web"/>
+                <a:ea typeface="Titillium Web"/>
+                <a:cs typeface="Titillium Web"/>
+                <a:sym typeface="Titillium Web"/>
+              </a:rPr>
+              <a:t>wants</a:t>
+            </a:r>
+            <a:r>
+              <a:rPr lang="it-IT" sz="1000" dirty="0">
+                <a:solidFill>
+                  <a:srgbClr val="5A6772"/>
+                </a:solidFill>
+                <a:latin typeface="Titillium Web"/>
+                <a:ea typeface="Titillium Web"/>
+                <a:cs typeface="Titillium Web"/>
+                <a:sym typeface="Titillium Web"/>
+              </a:rPr>
+              <a:t> </a:t>
+            </a:r>
+            <a:r>
+              <a:rPr lang="it-IT" sz="1000" dirty="0" err="1">
+                <a:solidFill>
+                  <a:srgbClr val="5A6772"/>
+                </a:solidFill>
+                <a:latin typeface="Titillium Web"/>
+                <a:ea typeface="Titillium Web"/>
+                <a:cs typeface="Titillium Web"/>
+                <a:sym typeface="Titillium Web"/>
+              </a:rPr>
+              <a:t>everything</a:t>
+            </a:r>
+            <a:r>
+              <a:rPr lang="it-IT" sz="1000" dirty="0">
+                <a:solidFill>
+                  <a:srgbClr val="5A6772"/>
+                </a:solidFill>
+                <a:latin typeface="Titillium Web"/>
+                <a:ea typeface="Titillium Web"/>
+                <a:cs typeface="Titillium Web"/>
+                <a:sym typeface="Titillium Web"/>
+              </a:rPr>
+              <a:t> to be as easy to do as </a:t>
+            </a:r>
+            <a:r>
+              <a:rPr lang="it-IT" sz="1000">
+                <a:solidFill>
+                  <a:srgbClr val="5A6772"/>
+                </a:solidFill>
+                <a:latin typeface="Titillium Web"/>
+                <a:ea typeface="Titillium Web"/>
+                <a:cs typeface="Titillium Web"/>
+                <a:sym typeface="Titillium Web"/>
+              </a:rPr>
+              <a:t>possible.</a:t>
             </a:r>
             <a:endParaRPr sz="1000" dirty="0">
               <a:solidFill>
